--- a/Nicolas Fiquitiva Segura/Nicolas Fiquitiva Segura.pptx
+++ b/Nicolas Fiquitiva Segura/Nicolas Fiquitiva Segura.pptx
@@ -5,13 +5,14 @@
     <p:sldMasterId id="2147483648" r:id="rId1"/>
   </p:sldMasterIdLst>
   <p:notesMasterIdLst>
-    <p:notesMasterId r:id="rId4"/>
+    <p:notesMasterId r:id="rId5"/>
   </p:notesMasterIdLst>
   <p:sldIdLst>
-    <p:sldId id="256" r:id="rId3"/>
-    <p:sldId id="284" r:id="rId5"/>
+    <p:sldId id="256" r:id="rId2"/>
+    <p:sldId id="284" r:id="rId3"/>
+    <p:sldId id="285" r:id="rId4"/>
   </p:sldIdLst>
-  <p:sldSz cx="9144000" cy="5143500"/>
+  <p:sldSz cx="9144000" cy="5143500" type="screen16x9"/>
   <p:notesSz cx="6858000" cy="9144000"/>
   <p:defaultTextStyle>
     <a:defPPr marR="0" lvl="0" algn="l" rtl="0">
@@ -242,6 +243,22 @@
       </a:defRPr>
     </a:lvl9pPr>
   </p:defaultTextStyle>
+  <p:extLst>
+    <p:ext uri="{EFAFB233-063F-42B5-8137-9DF3F51BA10A}">
+      <p15:sldGuideLst xmlns:p15="http://schemas.microsoft.com/office/powerpoint/2012/main">
+        <p15:guide id="1" orient="horz" pos="1669">
+          <p15:clr>
+            <a:srgbClr val="A4A3A4"/>
+          </p15:clr>
+        </p15:guide>
+        <p15:guide id="2" pos="2880">
+          <p15:clr>
+            <a:srgbClr val="A4A3A4"/>
+          </p15:clr>
+        </p15:guide>
+      </p15:sldGuideLst>
+    </p:ext>
+  </p:extLst>
 </p:presentation>
 </file>
 
@@ -255,7 +272,7 @@
     </p:bg>
     <p:spTree>
       <p:nvGrpSpPr>
-        <p:cNvPr id="2" name="Shape 2"/>
+        <p:cNvPr id="1" name="Shape 2"/>
         <p:cNvGrpSpPr/>
         <p:nvPr/>
       </p:nvGrpSpPr>
@@ -270,7 +287,9 @@
       <p:sp>
         <p:nvSpPr>
           <p:cNvPr id="3" name="Google Shape;3;n"/>
-          <p:cNvSpPr/>
+          <p:cNvSpPr>
+            <a:spLocks noGrp="1" noRot="1" noChangeAspect="1"/>
+          </p:cNvSpPr>
           <p:nvPr>
             <p:ph type="sldImg" idx="2"/>
           </p:nvPr>
@@ -319,7 +338,9 @@
       <p:sp>
         <p:nvSpPr>
           <p:cNvPr id="4" name="Google Shape;4;n"/>
-          <p:cNvSpPr txBox="1"/>
+          <p:cNvSpPr txBox="1">
+            <a:spLocks noGrp="1"/>
+          </p:cNvSpPr>
           <p:nvPr>
             <p:ph type="body" idx="1"/>
           </p:nvPr>
@@ -442,7 +463,9 @@
               <a:defRPr sz="1100"/>
             </a:lvl9pPr>
           </a:lstStyle>
-          <a:p/>
+          <a:p>
+            <a:endParaRPr/>
+          </a:p>
         </p:txBody>
       </p:sp>
     </p:spTree>
@@ -681,11 +704,11 @@
 </file>
 
 <file path=ppt/notesSlides/notesSlide1.xml><?xml version="1.0" encoding="utf-8"?>
-<p:notes xmlns:a="http://schemas.openxmlformats.org/drawingml/2006/main" xmlns:r="http://schemas.openxmlformats.org/officeDocument/2006/relationships" xmlns:p="http://schemas.openxmlformats.org/presentationml/2006/main" showMasterPhAnim="0" showMasterSp="0">
+<p:notes xmlns:a="http://schemas.openxmlformats.org/drawingml/2006/main" xmlns:r="http://schemas.openxmlformats.org/officeDocument/2006/relationships" xmlns:p="http://schemas.openxmlformats.org/presentationml/2006/main" showMasterSp="0" showMasterPhAnim="0">
   <p:cSld>
     <p:spTree>
       <p:nvGrpSpPr>
-        <p:cNvPr id="50" name="Shape 50"/>
+        <p:cNvPr id="1" name="Shape 50"/>
         <p:cNvGrpSpPr/>
         <p:nvPr/>
       </p:nvGrpSpPr>
@@ -700,7 +723,9 @@
       <p:sp>
         <p:nvSpPr>
           <p:cNvPr id="51" name="Google Shape;51;g1e2cbc32b9d_0_40:notes"/>
-          <p:cNvSpPr/>
+          <p:cNvSpPr>
+            <a:spLocks noGrp="1" noRot="1" noChangeAspect="1"/>
+          </p:cNvSpPr>
           <p:nvPr>
             <p:ph type="sldImg" idx="2"/>
           </p:nvPr>
@@ -739,7 +764,9 @@
       <p:sp>
         <p:nvSpPr>
           <p:cNvPr id="52" name="Google Shape;52;g1e2cbc32b9d_0_40:notes"/>
-          <p:cNvSpPr txBox="1"/>
+          <p:cNvSpPr txBox="1">
+            <a:spLocks noGrp="1"/>
+          </p:cNvSpPr>
           <p:nvPr>
             <p:ph type="body" idx="1"/>
           </p:nvPr>
@@ -768,6 +795,7 @@
               </a:spcAft>
               <a:buNone/>
             </a:pPr>
+            <a:endParaRPr/>
           </a:p>
         </p:txBody>
       </p:sp>
@@ -780,11 +808,11 @@
 </file>
 
 <file path=ppt/notesSlides/notesSlide2.xml><?xml version="1.0" encoding="utf-8"?>
-<p:notes xmlns:a="http://schemas.openxmlformats.org/drawingml/2006/main" xmlns:r="http://schemas.openxmlformats.org/officeDocument/2006/relationships" xmlns:p="http://schemas.openxmlformats.org/presentationml/2006/main" showMasterPhAnim="0" showMasterSp="0">
+<p:notes xmlns:a="http://schemas.openxmlformats.org/drawingml/2006/main" xmlns:r="http://schemas.openxmlformats.org/officeDocument/2006/relationships" xmlns:p="http://schemas.openxmlformats.org/presentationml/2006/main" showMasterSp="0" showMasterPhAnim="0">
   <p:cSld>
     <p:spTree>
       <p:nvGrpSpPr>
-        <p:cNvPr id="50" name="Shape 50"/>
+        <p:cNvPr id="1" name="Shape 50"/>
         <p:cNvGrpSpPr/>
         <p:nvPr/>
       </p:nvGrpSpPr>
@@ -799,7 +827,9 @@
       <p:sp>
         <p:nvSpPr>
           <p:cNvPr id="51" name="Google Shape;51;g1e2cbc32b9d_0_40:notes"/>
-          <p:cNvSpPr/>
+          <p:cNvSpPr>
+            <a:spLocks noGrp="1" noRot="1" noChangeAspect="1"/>
+          </p:cNvSpPr>
           <p:nvPr>
             <p:ph type="sldImg" idx="2"/>
           </p:nvPr>
@@ -838,7 +868,9 @@
       <p:sp>
         <p:nvSpPr>
           <p:cNvPr id="52" name="Google Shape;52;g1e2cbc32b9d_0_40:notes"/>
-          <p:cNvSpPr txBox="1"/>
+          <p:cNvSpPr txBox="1">
+            <a:spLocks noGrp="1"/>
+          </p:cNvSpPr>
           <p:nvPr>
             <p:ph type="body" idx="1"/>
           </p:nvPr>
@@ -867,6 +899,7 @@
               </a:spcAft>
               <a:buNone/>
             </a:pPr>
+            <a:endParaRPr/>
           </a:p>
         </p:txBody>
       </p:sp>
@@ -879,11 +912,11 @@
 </file>
 
 <file path=ppt/slideLayouts/slideLayout1.xml><?xml version="1.0" encoding="utf-8"?>
-<p:sldLayout xmlns:a="http://schemas.openxmlformats.org/drawingml/2006/main" xmlns:r="http://schemas.openxmlformats.org/officeDocument/2006/relationships" xmlns:p="http://schemas.openxmlformats.org/presentationml/2006/main" type="title" matchingName="Title slide">
+<p:sldLayout xmlns:a="http://schemas.openxmlformats.org/drawingml/2006/main" xmlns:r="http://schemas.openxmlformats.org/officeDocument/2006/relationships" xmlns:p="http://schemas.openxmlformats.org/presentationml/2006/main" matchingName="Title slide" type="title">
   <p:cSld name="TITLE">
     <p:spTree>
       <p:nvGrpSpPr>
-        <p:cNvPr id="9" name="Shape 9"/>
+        <p:cNvPr id="1" name="Shape 9"/>
         <p:cNvGrpSpPr/>
         <p:nvPr/>
       </p:nvGrpSpPr>
@@ -898,7 +931,9 @@
       <p:sp>
         <p:nvSpPr>
           <p:cNvPr id="10" name="Google Shape;10;p2"/>
-          <p:cNvSpPr txBox="1"/>
+          <p:cNvSpPr txBox="1">
+            <a:spLocks noGrp="1"/>
+          </p:cNvSpPr>
           <p:nvPr>
             <p:ph type="ctrTitle"/>
           </p:nvPr>
@@ -1017,13 +1052,17 @@
               <a:defRPr sz="5200"/>
             </a:lvl9pPr>
           </a:lstStyle>
-          <a:p/>
+          <a:p>
+            <a:endParaRPr/>
+          </a:p>
         </p:txBody>
       </p:sp>
       <p:sp>
         <p:nvSpPr>
           <p:cNvPr id="11" name="Google Shape;11;p2"/>
-          <p:cNvSpPr txBox="1"/>
+          <p:cNvSpPr txBox="1">
+            <a:spLocks noGrp="1"/>
+          </p:cNvSpPr>
           <p:nvPr>
             <p:ph type="subTitle" idx="1"/>
           </p:nvPr>
@@ -1169,13 +1208,17 @@
               <a:defRPr sz="2800"/>
             </a:lvl9pPr>
           </a:lstStyle>
-          <a:p/>
+          <a:p>
+            <a:endParaRPr/>
+          </a:p>
         </p:txBody>
       </p:sp>
       <p:sp>
         <p:nvSpPr>
           <p:cNvPr id="12" name="Google Shape;12;p2"/>
-          <p:cNvSpPr txBox="1"/>
+          <p:cNvSpPr txBox="1">
+            <a:spLocks noGrp="1"/>
+          </p:cNvSpPr>
           <p:nvPr>
             <p:ph type="sldNum" idx="12"/>
           </p:nvPr>
@@ -1243,6 +1286,7 @@
             </a:pPr>
             <a:fld id="{00000000-1234-1234-1234-123412341234}" type="slidenum">
               <a:rPr lang="en-US"/>
+              <a:t>‹Nº›</a:t>
             </a:fld>
             <a:endParaRPr lang="en-US"/>
           </a:p>
@@ -1261,7 +1305,7 @@
   <p:cSld name="BIG_NUMBER">
     <p:spTree>
       <p:nvGrpSpPr>
-        <p:cNvPr id="44" name="Shape 44"/>
+        <p:cNvPr id="1" name="Shape 44"/>
         <p:cNvGrpSpPr/>
         <p:nvPr/>
       </p:nvGrpSpPr>
@@ -1276,7 +1320,9 @@
       <p:sp>
         <p:nvSpPr>
           <p:cNvPr id="45" name="Google Shape;45;p11"/>
-          <p:cNvSpPr txBox="1"/>
+          <p:cNvSpPr txBox="1">
+            <a:spLocks noGrp="1"/>
+          </p:cNvSpPr>
           <p:nvPr>
             <p:ph type="title" hasCustomPrompt="1"/>
           </p:nvPr>
@@ -1405,7 +1451,9 @@
       <p:sp>
         <p:nvSpPr>
           <p:cNvPr id="46" name="Google Shape;46;p11"/>
-          <p:cNvSpPr txBox="1"/>
+          <p:cNvSpPr txBox="1">
+            <a:spLocks noGrp="1"/>
+          </p:cNvSpPr>
           <p:nvPr>
             <p:ph type="body" idx="1"/>
           </p:nvPr>
@@ -1524,13 +1572,17 @@
               <a:defRPr/>
             </a:lvl9pPr>
           </a:lstStyle>
-          <a:p/>
+          <a:p>
+            <a:endParaRPr/>
+          </a:p>
         </p:txBody>
       </p:sp>
       <p:sp>
         <p:nvSpPr>
           <p:cNvPr id="47" name="Google Shape;47;p11"/>
-          <p:cNvSpPr txBox="1"/>
+          <p:cNvSpPr txBox="1">
+            <a:spLocks noGrp="1"/>
+          </p:cNvSpPr>
           <p:nvPr>
             <p:ph type="sldNum" idx="12"/>
           </p:nvPr>
@@ -1598,6 +1650,7 @@
             </a:pPr>
             <a:fld id="{00000000-1234-1234-1234-123412341234}" type="slidenum">
               <a:rPr lang="en-US"/>
+              <a:t>‹Nº›</a:t>
             </a:fld>
             <a:endParaRPr lang="en-US"/>
           </a:p>
@@ -1612,11 +1665,11 @@
 </file>
 
 <file path=ppt/slideLayouts/slideLayout11.xml><?xml version="1.0" encoding="utf-8"?>
-<p:sldLayout xmlns:a="http://schemas.openxmlformats.org/drawingml/2006/main" xmlns:r="http://schemas.openxmlformats.org/officeDocument/2006/relationships" xmlns:p="http://schemas.openxmlformats.org/presentationml/2006/main" type="blank" matchingName="Blank">
+<p:sldLayout xmlns:a="http://schemas.openxmlformats.org/drawingml/2006/main" xmlns:r="http://schemas.openxmlformats.org/officeDocument/2006/relationships" xmlns:p="http://schemas.openxmlformats.org/presentationml/2006/main" matchingName="Blank" type="blank">
   <p:cSld name="BLANK">
     <p:spTree>
       <p:nvGrpSpPr>
-        <p:cNvPr id="48" name="Shape 48"/>
+        <p:cNvPr id="1" name="Shape 48"/>
         <p:cNvGrpSpPr/>
         <p:nvPr/>
       </p:nvGrpSpPr>
@@ -1631,7 +1684,9 @@
       <p:sp>
         <p:nvSpPr>
           <p:cNvPr id="49" name="Google Shape;49;p12"/>
-          <p:cNvSpPr txBox="1"/>
+          <p:cNvSpPr txBox="1">
+            <a:spLocks noGrp="1"/>
+          </p:cNvSpPr>
           <p:nvPr>
             <p:ph type="sldNum" idx="12"/>
           </p:nvPr>
@@ -1699,6 +1754,7 @@
             </a:pPr>
             <a:fld id="{00000000-1234-1234-1234-123412341234}" type="slidenum">
               <a:rPr lang="en-US"/>
+              <a:t>‹Nº›</a:t>
             </a:fld>
             <a:endParaRPr lang="en-US"/>
           </a:p>
@@ -1713,11 +1769,11 @@
 </file>
 
 <file path=ppt/slideLayouts/slideLayout2.xml><?xml version="1.0" encoding="utf-8"?>
-<p:sldLayout xmlns:a="http://schemas.openxmlformats.org/drawingml/2006/main" xmlns:r="http://schemas.openxmlformats.org/officeDocument/2006/relationships" xmlns:p="http://schemas.openxmlformats.org/presentationml/2006/main" type="secHead" matchingName="Section header">
+<p:sldLayout xmlns:a="http://schemas.openxmlformats.org/drawingml/2006/main" xmlns:r="http://schemas.openxmlformats.org/officeDocument/2006/relationships" xmlns:p="http://schemas.openxmlformats.org/presentationml/2006/main" matchingName="Section header" type="secHead">
   <p:cSld name="SECTION_HEADER">
     <p:spTree>
       <p:nvGrpSpPr>
-        <p:cNvPr id="13" name="Shape 13"/>
+        <p:cNvPr id="1" name="Shape 13"/>
         <p:cNvGrpSpPr/>
         <p:nvPr/>
       </p:nvGrpSpPr>
@@ -1732,7 +1788,9 @@
       <p:sp>
         <p:nvSpPr>
           <p:cNvPr id="14" name="Google Shape;14;p3"/>
-          <p:cNvSpPr txBox="1"/>
+          <p:cNvSpPr txBox="1">
+            <a:spLocks noGrp="1"/>
+          </p:cNvSpPr>
           <p:nvPr>
             <p:ph type="title"/>
           </p:nvPr>
@@ -1851,13 +1909,17 @@
               <a:defRPr sz="3600"/>
             </a:lvl9pPr>
           </a:lstStyle>
-          <a:p/>
+          <a:p>
+            <a:endParaRPr/>
+          </a:p>
         </p:txBody>
       </p:sp>
       <p:sp>
         <p:nvSpPr>
           <p:cNvPr id="15" name="Google Shape;15;p3"/>
-          <p:cNvSpPr txBox="1"/>
+          <p:cNvSpPr txBox="1">
+            <a:spLocks noGrp="1"/>
+          </p:cNvSpPr>
           <p:nvPr>
             <p:ph type="sldNum" idx="12"/>
           </p:nvPr>
@@ -1925,6 +1987,7 @@
             </a:pPr>
             <a:fld id="{00000000-1234-1234-1234-123412341234}" type="slidenum">
               <a:rPr lang="en-US"/>
+              <a:t>‹Nº›</a:t>
             </a:fld>
             <a:endParaRPr lang="en-US"/>
           </a:p>
@@ -1939,11 +2002,11 @@
 </file>
 
 <file path=ppt/slideLayouts/slideLayout3.xml><?xml version="1.0" encoding="utf-8"?>
-<p:sldLayout xmlns:a="http://schemas.openxmlformats.org/drawingml/2006/main" xmlns:r="http://schemas.openxmlformats.org/officeDocument/2006/relationships" xmlns:p="http://schemas.openxmlformats.org/presentationml/2006/main" type="tx" matchingName="Title and body">
+<p:sldLayout xmlns:a="http://schemas.openxmlformats.org/drawingml/2006/main" xmlns:r="http://schemas.openxmlformats.org/officeDocument/2006/relationships" xmlns:p="http://schemas.openxmlformats.org/presentationml/2006/main" matchingName="Title and body" type="tx">
   <p:cSld name="TITLE_AND_BODY">
     <p:spTree>
       <p:nvGrpSpPr>
-        <p:cNvPr id="16" name="Shape 16"/>
+        <p:cNvPr id="1" name="Shape 16"/>
         <p:cNvGrpSpPr/>
         <p:nvPr/>
       </p:nvGrpSpPr>
@@ -1958,7 +2021,9 @@
       <p:sp>
         <p:nvSpPr>
           <p:cNvPr id="17" name="Google Shape;17;p4"/>
-          <p:cNvSpPr txBox="1"/>
+          <p:cNvSpPr txBox="1">
+            <a:spLocks noGrp="1"/>
+          </p:cNvSpPr>
           <p:nvPr>
             <p:ph type="title"/>
           </p:nvPr>
@@ -2077,13 +2142,17 @@
               <a:defRPr/>
             </a:lvl9pPr>
           </a:lstStyle>
-          <a:p/>
+          <a:p>
+            <a:endParaRPr/>
+          </a:p>
         </p:txBody>
       </p:sp>
       <p:sp>
         <p:nvSpPr>
           <p:cNvPr id="18" name="Google Shape;18;p4"/>
-          <p:cNvSpPr txBox="1"/>
+          <p:cNvSpPr txBox="1">
+            <a:spLocks noGrp="1"/>
+          </p:cNvSpPr>
           <p:nvPr>
             <p:ph type="body" idx="1"/>
           </p:nvPr>
@@ -2202,13 +2271,17 @@
               <a:defRPr/>
             </a:lvl9pPr>
           </a:lstStyle>
-          <a:p/>
+          <a:p>
+            <a:endParaRPr/>
+          </a:p>
         </p:txBody>
       </p:sp>
       <p:sp>
         <p:nvSpPr>
           <p:cNvPr id="19" name="Google Shape;19;p4"/>
-          <p:cNvSpPr txBox="1"/>
+          <p:cNvSpPr txBox="1">
+            <a:spLocks noGrp="1"/>
+          </p:cNvSpPr>
           <p:nvPr>
             <p:ph type="sldNum" idx="12"/>
           </p:nvPr>
@@ -2276,6 +2349,7 @@
             </a:pPr>
             <a:fld id="{00000000-1234-1234-1234-123412341234}" type="slidenum">
               <a:rPr lang="en-US"/>
+              <a:t>‹Nº›</a:t>
             </a:fld>
             <a:endParaRPr lang="en-US"/>
           </a:p>
@@ -2290,11 +2364,11 @@
 </file>
 
 <file path=ppt/slideLayouts/slideLayout4.xml><?xml version="1.0" encoding="utf-8"?>
-<p:sldLayout xmlns:a="http://schemas.openxmlformats.org/drawingml/2006/main" xmlns:r="http://schemas.openxmlformats.org/officeDocument/2006/relationships" xmlns:p="http://schemas.openxmlformats.org/presentationml/2006/main" type="twoColTx" matchingName="Title and two columns">
+<p:sldLayout xmlns:a="http://schemas.openxmlformats.org/drawingml/2006/main" xmlns:r="http://schemas.openxmlformats.org/officeDocument/2006/relationships" xmlns:p="http://schemas.openxmlformats.org/presentationml/2006/main" matchingName="Title and two columns" type="twoColTx">
   <p:cSld name="TITLE_AND_TWO_COLUMNS">
     <p:spTree>
       <p:nvGrpSpPr>
-        <p:cNvPr id="20" name="Shape 20"/>
+        <p:cNvPr id="1" name="Shape 20"/>
         <p:cNvGrpSpPr/>
         <p:nvPr/>
       </p:nvGrpSpPr>
@@ -2309,7 +2383,9 @@
       <p:sp>
         <p:nvSpPr>
           <p:cNvPr id="21" name="Google Shape;21;p5"/>
-          <p:cNvSpPr txBox="1"/>
+          <p:cNvSpPr txBox="1">
+            <a:spLocks noGrp="1"/>
+          </p:cNvSpPr>
           <p:nvPr>
             <p:ph type="title"/>
           </p:nvPr>
@@ -2428,13 +2504,17 @@
               <a:defRPr/>
             </a:lvl9pPr>
           </a:lstStyle>
-          <a:p/>
+          <a:p>
+            <a:endParaRPr/>
+          </a:p>
         </p:txBody>
       </p:sp>
       <p:sp>
         <p:nvSpPr>
           <p:cNvPr id="22" name="Google Shape;22;p5"/>
-          <p:cNvSpPr txBox="1"/>
+          <p:cNvSpPr txBox="1">
+            <a:spLocks noGrp="1"/>
+          </p:cNvSpPr>
           <p:nvPr>
             <p:ph type="body" idx="1"/>
           </p:nvPr>
@@ -2553,13 +2633,17 @@
               <a:defRPr sz="1200"/>
             </a:lvl9pPr>
           </a:lstStyle>
-          <a:p/>
+          <a:p>
+            <a:endParaRPr/>
+          </a:p>
         </p:txBody>
       </p:sp>
       <p:sp>
         <p:nvSpPr>
           <p:cNvPr id="23" name="Google Shape;23;p5"/>
-          <p:cNvSpPr txBox="1"/>
+          <p:cNvSpPr txBox="1">
+            <a:spLocks noGrp="1"/>
+          </p:cNvSpPr>
           <p:nvPr>
             <p:ph type="body" idx="2"/>
           </p:nvPr>
@@ -2678,13 +2762,17 @@
               <a:defRPr sz="1200"/>
             </a:lvl9pPr>
           </a:lstStyle>
-          <a:p/>
+          <a:p>
+            <a:endParaRPr/>
+          </a:p>
         </p:txBody>
       </p:sp>
       <p:sp>
         <p:nvSpPr>
           <p:cNvPr id="24" name="Google Shape;24;p5"/>
-          <p:cNvSpPr txBox="1"/>
+          <p:cNvSpPr txBox="1">
+            <a:spLocks noGrp="1"/>
+          </p:cNvSpPr>
           <p:nvPr>
             <p:ph type="sldNum" idx="12"/>
           </p:nvPr>
@@ -2752,6 +2840,7 @@
             </a:pPr>
             <a:fld id="{00000000-1234-1234-1234-123412341234}" type="slidenum">
               <a:rPr lang="en-US"/>
+              <a:t>‹Nº›</a:t>
             </a:fld>
             <a:endParaRPr lang="en-US"/>
           </a:p>
@@ -2766,11 +2855,11 @@
 </file>
 
 <file path=ppt/slideLayouts/slideLayout5.xml><?xml version="1.0" encoding="utf-8"?>
-<p:sldLayout xmlns:a="http://schemas.openxmlformats.org/drawingml/2006/main" xmlns:r="http://schemas.openxmlformats.org/officeDocument/2006/relationships" xmlns:p="http://schemas.openxmlformats.org/presentationml/2006/main" type="titleOnly" matchingName="Title only">
+<p:sldLayout xmlns:a="http://schemas.openxmlformats.org/drawingml/2006/main" xmlns:r="http://schemas.openxmlformats.org/officeDocument/2006/relationships" xmlns:p="http://schemas.openxmlformats.org/presentationml/2006/main" matchingName="Title only" type="titleOnly">
   <p:cSld name="TITLE_ONLY">
     <p:spTree>
       <p:nvGrpSpPr>
-        <p:cNvPr id="25" name="Shape 25"/>
+        <p:cNvPr id="1" name="Shape 25"/>
         <p:cNvGrpSpPr/>
         <p:nvPr/>
       </p:nvGrpSpPr>
@@ -2785,7 +2874,9 @@
       <p:sp>
         <p:nvSpPr>
           <p:cNvPr id="26" name="Google Shape;26;p6"/>
-          <p:cNvSpPr txBox="1"/>
+          <p:cNvSpPr txBox="1">
+            <a:spLocks noGrp="1"/>
+          </p:cNvSpPr>
           <p:nvPr>
             <p:ph type="title"/>
           </p:nvPr>
@@ -2904,13 +2995,17 @@
               <a:defRPr/>
             </a:lvl9pPr>
           </a:lstStyle>
-          <a:p/>
+          <a:p>
+            <a:endParaRPr/>
+          </a:p>
         </p:txBody>
       </p:sp>
       <p:sp>
         <p:nvSpPr>
           <p:cNvPr id="27" name="Google Shape;27;p6"/>
-          <p:cNvSpPr txBox="1"/>
+          <p:cNvSpPr txBox="1">
+            <a:spLocks noGrp="1"/>
+          </p:cNvSpPr>
           <p:nvPr>
             <p:ph type="sldNum" idx="12"/>
           </p:nvPr>
@@ -2978,6 +3073,7 @@
             </a:pPr>
             <a:fld id="{00000000-1234-1234-1234-123412341234}" type="slidenum">
               <a:rPr lang="en-US"/>
+              <a:t>‹Nº›</a:t>
             </a:fld>
             <a:endParaRPr lang="en-US"/>
           </a:p>
@@ -2996,7 +3092,7 @@
   <p:cSld name="ONE_COLUMN_TEXT">
     <p:spTree>
       <p:nvGrpSpPr>
-        <p:cNvPr id="28" name="Shape 28"/>
+        <p:cNvPr id="1" name="Shape 28"/>
         <p:cNvGrpSpPr/>
         <p:nvPr/>
       </p:nvGrpSpPr>
@@ -3011,7 +3107,9 @@
       <p:sp>
         <p:nvSpPr>
           <p:cNvPr id="29" name="Google Shape;29;p7"/>
-          <p:cNvSpPr txBox="1"/>
+          <p:cNvSpPr txBox="1">
+            <a:spLocks noGrp="1"/>
+          </p:cNvSpPr>
           <p:nvPr>
             <p:ph type="title"/>
           </p:nvPr>
@@ -3130,13 +3228,17 @@
               <a:defRPr sz="2400"/>
             </a:lvl9pPr>
           </a:lstStyle>
-          <a:p/>
+          <a:p>
+            <a:endParaRPr/>
+          </a:p>
         </p:txBody>
       </p:sp>
       <p:sp>
         <p:nvSpPr>
           <p:cNvPr id="30" name="Google Shape;30;p7"/>
-          <p:cNvSpPr txBox="1"/>
+          <p:cNvSpPr txBox="1">
+            <a:spLocks noGrp="1"/>
+          </p:cNvSpPr>
           <p:nvPr>
             <p:ph type="body" idx="1"/>
           </p:nvPr>
@@ -3255,13 +3357,17 @@
               <a:defRPr sz="1200"/>
             </a:lvl9pPr>
           </a:lstStyle>
-          <a:p/>
+          <a:p>
+            <a:endParaRPr/>
+          </a:p>
         </p:txBody>
       </p:sp>
       <p:sp>
         <p:nvSpPr>
           <p:cNvPr id="31" name="Google Shape;31;p7"/>
-          <p:cNvSpPr txBox="1"/>
+          <p:cNvSpPr txBox="1">
+            <a:spLocks noGrp="1"/>
+          </p:cNvSpPr>
           <p:nvPr>
             <p:ph type="sldNum" idx="12"/>
           </p:nvPr>
@@ -3329,6 +3435,7 @@
             </a:pPr>
             <a:fld id="{00000000-1234-1234-1234-123412341234}" type="slidenum">
               <a:rPr lang="en-US"/>
+              <a:t>‹Nº›</a:t>
             </a:fld>
             <a:endParaRPr lang="en-US"/>
           </a:p>
@@ -3347,7 +3454,7 @@
   <p:cSld name="MAIN_POINT">
     <p:spTree>
       <p:nvGrpSpPr>
-        <p:cNvPr id="32" name="Shape 32"/>
+        <p:cNvPr id="1" name="Shape 32"/>
         <p:cNvGrpSpPr/>
         <p:nvPr/>
       </p:nvGrpSpPr>
@@ -3362,7 +3469,9 @@
       <p:sp>
         <p:nvSpPr>
           <p:cNvPr id="33" name="Google Shape;33;p8"/>
-          <p:cNvSpPr txBox="1"/>
+          <p:cNvSpPr txBox="1">
+            <a:spLocks noGrp="1"/>
+          </p:cNvSpPr>
           <p:nvPr>
             <p:ph type="title"/>
           </p:nvPr>
@@ -3481,13 +3590,17 @@
               <a:defRPr sz="4800"/>
             </a:lvl9pPr>
           </a:lstStyle>
-          <a:p/>
+          <a:p>
+            <a:endParaRPr/>
+          </a:p>
         </p:txBody>
       </p:sp>
       <p:sp>
         <p:nvSpPr>
           <p:cNvPr id="34" name="Google Shape;34;p8"/>
-          <p:cNvSpPr txBox="1"/>
+          <p:cNvSpPr txBox="1">
+            <a:spLocks noGrp="1"/>
+          </p:cNvSpPr>
           <p:nvPr>
             <p:ph type="sldNum" idx="12"/>
           </p:nvPr>
@@ -3555,6 +3668,7 @@
             </a:pPr>
             <a:fld id="{00000000-1234-1234-1234-123412341234}" type="slidenum">
               <a:rPr lang="en-US"/>
+              <a:t>‹Nº›</a:t>
             </a:fld>
             <a:endParaRPr lang="en-US"/>
           </a:p>
@@ -3573,7 +3687,7 @@
   <p:cSld name="SECTION_TITLE_AND_DESCRIPTION">
     <p:spTree>
       <p:nvGrpSpPr>
-        <p:cNvPr id="35" name="Shape 35"/>
+        <p:cNvPr id="1" name="Shape 35"/>
         <p:cNvGrpSpPr/>
         <p:nvPr/>
       </p:nvGrpSpPr>
@@ -3621,13 +3735,16 @@
               </a:spcAft>
               <a:buNone/>
             </a:pPr>
+            <a:endParaRPr/>
           </a:p>
         </p:txBody>
       </p:sp>
       <p:sp>
         <p:nvSpPr>
           <p:cNvPr id="37" name="Google Shape;37;p9"/>
-          <p:cNvSpPr txBox="1"/>
+          <p:cNvSpPr txBox="1">
+            <a:spLocks noGrp="1"/>
+          </p:cNvSpPr>
           <p:nvPr>
             <p:ph type="title"/>
           </p:nvPr>
@@ -3746,13 +3863,17 @@
               <a:defRPr sz="4200"/>
             </a:lvl9pPr>
           </a:lstStyle>
-          <a:p/>
+          <a:p>
+            <a:endParaRPr/>
+          </a:p>
         </p:txBody>
       </p:sp>
       <p:sp>
         <p:nvSpPr>
           <p:cNvPr id="38" name="Google Shape;38;p9"/>
-          <p:cNvSpPr txBox="1"/>
+          <p:cNvSpPr txBox="1">
+            <a:spLocks noGrp="1"/>
+          </p:cNvSpPr>
           <p:nvPr>
             <p:ph type="subTitle" idx="1"/>
           </p:nvPr>
@@ -3898,13 +4019,17 @@
               <a:defRPr sz="2100"/>
             </a:lvl9pPr>
           </a:lstStyle>
-          <a:p/>
+          <a:p>
+            <a:endParaRPr/>
+          </a:p>
         </p:txBody>
       </p:sp>
       <p:sp>
         <p:nvSpPr>
           <p:cNvPr id="39" name="Google Shape;39;p9"/>
-          <p:cNvSpPr txBox="1"/>
+          <p:cNvSpPr txBox="1">
+            <a:spLocks noGrp="1"/>
+          </p:cNvSpPr>
           <p:nvPr>
             <p:ph type="body" idx="2"/>
           </p:nvPr>
@@ -4023,13 +4148,17 @@
               <a:defRPr/>
             </a:lvl9pPr>
           </a:lstStyle>
-          <a:p/>
+          <a:p>
+            <a:endParaRPr/>
+          </a:p>
         </p:txBody>
       </p:sp>
       <p:sp>
         <p:nvSpPr>
           <p:cNvPr id="40" name="Google Shape;40;p9"/>
-          <p:cNvSpPr txBox="1"/>
+          <p:cNvSpPr txBox="1">
+            <a:spLocks noGrp="1"/>
+          </p:cNvSpPr>
           <p:nvPr>
             <p:ph type="sldNum" idx="12"/>
           </p:nvPr>
@@ -4097,6 +4226,7 @@
             </a:pPr>
             <a:fld id="{00000000-1234-1234-1234-123412341234}" type="slidenum">
               <a:rPr lang="en-US"/>
+              <a:t>‹Nº›</a:t>
             </a:fld>
             <a:endParaRPr lang="en-US"/>
           </a:p>
@@ -4115,7 +4245,7 @@
   <p:cSld name="CAPTION_ONLY">
     <p:spTree>
       <p:nvGrpSpPr>
-        <p:cNvPr id="41" name="Shape 41"/>
+        <p:cNvPr id="1" name="Shape 41"/>
         <p:cNvGrpSpPr/>
         <p:nvPr/>
       </p:nvGrpSpPr>
@@ -4130,7 +4260,9 @@
       <p:sp>
         <p:nvSpPr>
           <p:cNvPr id="42" name="Google Shape;42;p10"/>
-          <p:cNvSpPr txBox="1"/>
+          <p:cNvSpPr txBox="1">
+            <a:spLocks noGrp="1"/>
+          </p:cNvSpPr>
           <p:nvPr>
             <p:ph type="body" idx="1"/>
           </p:nvPr>
@@ -4164,13 +4296,17 @@
               <a:defRPr/>
             </a:lvl1pPr>
           </a:lstStyle>
-          <a:p/>
+          <a:p>
+            <a:endParaRPr/>
+          </a:p>
         </p:txBody>
       </p:sp>
       <p:sp>
         <p:nvSpPr>
           <p:cNvPr id="43" name="Google Shape;43;p10"/>
-          <p:cNvSpPr txBox="1"/>
+          <p:cNvSpPr txBox="1">
+            <a:spLocks noGrp="1"/>
+          </p:cNvSpPr>
           <p:nvPr>
             <p:ph type="sldNum" idx="12"/>
           </p:nvPr>
@@ -4238,6 +4374,7 @@
             </a:pPr>
             <a:fld id="{00000000-1234-1234-1234-123412341234}" type="slidenum">
               <a:rPr lang="en-US"/>
+              <a:t>‹Nº›</a:t>
             </a:fld>
             <a:endParaRPr lang="en-US"/>
           </a:p>
@@ -4264,7 +4401,7 @@
     </p:bg>
     <p:spTree>
       <p:nvGrpSpPr>
-        <p:cNvPr id="5" name="Shape 5"/>
+        <p:cNvPr id="1" name="Shape 5"/>
         <p:cNvGrpSpPr/>
         <p:nvPr/>
       </p:nvGrpSpPr>
@@ -4279,7 +4416,9 @@
       <p:sp>
         <p:nvSpPr>
           <p:cNvPr id="6" name="Google Shape;6;p1"/>
-          <p:cNvSpPr txBox="1"/>
+          <p:cNvSpPr txBox="1">
+            <a:spLocks noGrp="1"/>
+          </p:cNvSpPr>
           <p:nvPr>
             <p:ph type="title"/>
           </p:nvPr>
@@ -4465,13 +4604,17 @@
               </a:defRPr>
             </a:lvl9pPr>
           </a:lstStyle>
-          <a:p/>
+          <a:p>
+            <a:endParaRPr/>
+          </a:p>
         </p:txBody>
       </p:sp>
       <p:sp>
         <p:nvSpPr>
           <p:cNvPr id="7" name="Google Shape;7;p1"/>
-          <p:cNvSpPr txBox="1"/>
+          <p:cNvSpPr txBox="1">
+            <a:spLocks noGrp="1"/>
+          </p:cNvSpPr>
           <p:nvPr>
             <p:ph type="body" idx="1"/>
           </p:nvPr>
@@ -4684,13 +4827,17 @@
               </a:defRPr>
             </a:lvl9pPr>
           </a:lstStyle>
-          <a:p/>
+          <a:p>
+            <a:endParaRPr/>
+          </a:p>
         </p:txBody>
       </p:sp>
       <p:sp>
         <p:nvSpPr>
           <p:cNvPr id="8" name="Google Shape;8;p1"/>
-          <p:cNvSpPr txBox="1"/>
+          <p:cNvSpPr txBox="1">
+            <a:spLocks noGrp="1"/>
+          </p:cNvSpPr>
           <p:nvPr>
             <p:ph type="sldNum" idx="12"/>
           </p:nvPr>
@@ -4798,6 +4945,7 @@
             </a:pPr>
             <a:fld id="{00000000-1234-1234-1234-123412341234}" type="slidenum">
               <a:rPr lang="en-US"/>
+              <a:t>‹Nº›</a:t>
             </a:fld>
             <a:endParaRPr lang="en-US"/>
           </a:p>
@@ -5517,7 +5665,7 @@
   <p:cSld>
     <p:spTree>
       <p:nvGrpSpPr>
-        <p:cNvPr id="53" name="Shape 53"/>
+        <p:cNvPr id="1" name="Shape 53"/>
         <p:cNvGrpSpPr/>
         <p:nvPr/>
       </p:nvGrpSpPr>
@@ -5571,6 +5719,7 @@
               </a:spcAft>
               <a:buNone/>
             </a:pPr>
+            <a:endParaRPr/>
           </a:p>
         </p:txBody>
       </p:sp>
@@ -5619,11 +5768,6 @@
               </a:rPr>
               <a:t>Lo que me apasiona</a:t>
             </a:r>
-            <a:endParaRPr lang="en-US" sz="1300">
-              <a:solidFill>
-                <a:srgbClr val="006666"/>
-              </a:solidFill>
-            </a:endParaRPr>
           </a:p>
         </p:txBody>
       </p:sp>
@@ -5722,6 +5866,7 @@
               </a:spcAft>
               <a:buNone/>
             </a:pPr>
+            <a:endParaRPr/>
           </a:p>
         </p:txBody>
       </p:sp>
@@ -6025,15 +6170,7 @@
                   <a:schemeClr val="dk1"/>
                 </a:solidFill>
               </a:rPr>
-              <a:t>Formador </a:t>
-            </a:r>
-            <a:r>
-              <a:rPr lang="en-US" sz="2000">
-                <a:solidFill>
-                  <a:schemeClr val="dk1"/>
-                </a:solidFill>
-              </a:rPr>
-              <a:t>Tecnológico</a:t>
+              <a:t>Formador Tecnológico</a:t>
             </a:r>
             <a:endParaRPr sz="2000">
               <a:solidFill>
@@ -6050,7 +6187,7 @@
           <p:nvPr/>
         </p:nvPicPr>
         <p:blipFill>
-          <a:blip r:embed="rId1"/>
+          <a:blip r:embed="rId3"/>
           <a:stretch>
             <a:fillRect/>
           </a:stretch>
@@ -6148,7 +6285,7 @@
           <p:nvPr/>
         </p:nvPicPr>
         <p:blipFill>
-          <a:blip r:embed="rId2"/>
+          <a:blip r:embed="rId4"/>
           <a:stretch>
             <a:fillRect/>
           </a:stretch>
@@ -6181,7 +6318,7 @@
           <p:nvPr/>
         </p:nvPicPr>
         <p:blipFill>
-          <a:blip r:embed="rId3"/>
+          <a:blip r:embed="rId5"/>
           <a:stretch>
             <a:fillRect/>
           </a:stretch>
@@ -6207,7 +6344,7 @@
           <p:nvPr/>
         </p:nvPicPr>
         <p:blipFill>
-          <a:blip r:embed="rId4"/>
+          <a:blip r:embed="rId6"/>
           <a:stretch>
             <a:fillRect/>
           </a:stretch>
@@ -6233,7 +6370,7 @@
           <p:nvPr/>
         </p:nvPicPr>
         <p:blipFill>
-          <a:blip r:embed="rId5"/>
+          <a:blip r:embed="rId7"/>
           <a:stretch>
             <a:fillRect/>
           </a:stretch>
@@ -6259,7 +6396,7 @@
           <p:nvPr/>
         </p:nvPicPr>
         <p:blipFill>
-          <a:blip r:embed="rId6"/>
+          <a:blip r:embed="rId8"/>
           <a:stretch>
             <a:fillRect/>
           </a:stretch>
@@ -6280,7 +6417,7 @@
       </p:pic>
       <p:sp>
         <p:nvSpPr>
-          <p:cNvPr id="1" name="Google Shape;59;p13"/>
+          <p:cNvPr id="4" name="Google Shape;59;p13"/>
           <p:cNvSpPr/>
           <p:nvPr/>
         </p:nvSpPr>
@@ -6309,6 +6446,7 @@
           <a:bodyPr spcFirstLastPara="1" wrap="square" lIns="91425" tIns="91425" rIns="91425" bIns="91425" anchor="ctr" anchorCtr="0">
             <a:noAutofit/>
           </a:bodyPr>
+          <a:lstStyle/>
           <a:p>
             <a:pPr marL="0" lvl="0" indent="0" algn="l" rtl="0">
               <a:spcBef>
@@ -6319,6 +6457,7 @@
               </a:spcAft>
               <a:buNone/>
             </a:pPr>
+            <a:endParaRPr/>
           </a:p>
         </p:txBody>
       </p:sp>
@@ -6329,7 +6468,7 @@
           <p:nvPr/>
         </p:nvPicPr>
         <p:blipFill>
-          <a:blip r:embed="rId7"/>
+          <a:blip r:embed="rId9"/>
           <a:stretch>
             <a:fillRect/>
           </a:stretch>
@@ -6371,6 +6510,7 @@
           <a:bodyPr spcFirstLastPara="1" wrap="square" lIns="91425" tIns="91425" rIns="91425" bIns="91425" anchor="t" anchorCtr="0">
             <a:spAutoFit/>
           </a:bodyPr>
+          <a:lstStyle/>
           <a:p>
             <a:pPr marL="0" lvl="0" indent="0" algn="l" rtl="0">
               <a:lnSpc>
@@ -6423,6 +6563,7 @@
           <a:bodyPr spcFirstLastPara="1" wrap="square" lIns="91425" tIns="91425" rIns="91425" bIns="91425" anchor="t" anchorCtr="0">
             <a:spAutoFit/>
           </a:bodyPr>
+          <a:lstStyle/>
           <a:p>
             <a:pPr marL="0" lvl="0" indent="0" algn="l" rtl="0">
               <a:lnSpc>
@@ -6444,11 +6585,6 @@
               </a:rPr>
               <a:t>¿Cuales son los programas que mas uso?</a:t>
             </a:r>
-            <a:endParaRPr lang="es-ES">
-              <a:solidFill>
-                <a:srgbClr val="006666"/>
-              </a:solidFill>
-            </a:endParaRPr>
           </a:p>
           <a:p>
             <a:pPr marL="0" lvl="0" indent="0" algn="l" rtl="0">
@@ -6471,11 +6607,6 @@
               </a:rPr>
               <a:t>paint, block de notas, git , android studio,</a:t>
             </a:r>
-            <a:endParaRPr lang="es-ES" sz="1100">
-              <a:solidFill>
-                <a:schemeClr val="dk1"/>
-              </a:solidFill>
-            </a:endParaRPr>
           </a:p>
           <a:p>
             <a:pPr marL="0" lvl="0" indent="0" algn="l" rtl="0">
@@ -6498,11 +6629,6 @@
               </a:rPr>
               <a:t>power point, etc.</a:t>
             </a:r>
-            <a:endParaRPr lang="es-ES" sz="1100">
-              <a:solidFill>
-                <a:schemeClr val="dk1"/>
-              </a:solidFill>
-            </a:endParaRPr>
           </a:p>
           <a:p>
             <a:pPr marL="0" lvl="0" indent="0" algn="l" rtl="0">
@@ -6552,11 +6678,6 @@
               </a:rPr>
               <a:t> en el desarrollo de software inicia en 2011 creando proyectos web y en los dos ultimos años me he enfocado en ca creacion de aplicaciones en android.</a:t>
             </a:r>
-            <a:endParaRPr lang="es-ES" sz="1100">
-              <a:solidFill>
-                <a:schemeClr val="dk1"/>
-              </a:solidFill>
-            </a:endParaRPr>
           </a:p>
         </p:txBody>
       </p:sp>
@@ -6621,14 +6742,14 @@
                 </p:childTnLst>
               </p:cTn>
               <p:prevCondLst>
-                <p:cond evt="onPrev">
+                <p:cond evt="onPrev" delay="0">
                   <p:tgtEl>
                     <p:sldTgt/>
                   </p:tgtEl>
                 </p:cond>
               </p:prevCondLst>
               <p:nextCondLst>
-                <p:cond evt="onNext">
+                <p:cond evt="onNext" delay="0">
                   <p:tgtEl>
                     <p:sldTgt/>
                   </p:tgtEl>
@@ -6648,7 +6769,7 @@
   <p:cSld>
     <p:spTree>
       <p:nvGrpSpPr>
-        <p:cNvPr id="53" name="Shape 53"/>
+        <p:cNvPr id="1" name="Shape 53"/>
         <p:cNvGrpSpPr/>
         <p:nvPr/>
       </p:nvGrpSpPr>
@@ -6702,6 +6823,7 @@
               </a:spcAft>
               <a:buNone/>
             </a:pPr>
+            <a:endParaRPr/>
           </a:p>
         </p:txBody>
       </p:sp>
@@ -6750,11 +6872,6 @@
               </a:rPr>
               <a:t>Lo que me apasiona</a:t>
             </a:r>
-            <a:endParaRPr lang="en-US" sz="1300">
-              <a:solidFill>
-                <a:srgbClr val="006666"/>
-              </a:solidFill>
-            </a:endParaRPr>
           </a:p>
         </p:txBody>
       </p:sp>
@@ -6853,6 +6970,7 @@
               </a:spcAft>
               <a:buNone/>
             </a:pPr>
+            <a:endParaRPr/>
           </a:p>
         </p:txBody>
       </p:sp>
@@ -7093,7 +7211,7 @@
           <p:nvPr/>
         </p:nvPicPr>
         <p:blipFill>
-          <a:blip r:embed="rId1"/>
+          <a:blip r:embed="rId3"/>
           <a:stretch>
             <a:fillRect/>
           </a:stretch>
@@ -7191,7 +7309,7 @@
           <p:nvPr/>
         </p:nvPicPr>
         <p:blipFill>
-          <a:blip r:embed="rId2"/>
+          <a:blip r:embed="rId4"/>
           <a:stretch>
             <a:fillRect/>
           </a:stretch>
@@ -7212,7 +7330,7 @@
       </p:pic>
       <p:sp>
         <p:nvSpPr>
-          <p:cNvPr id="1" name="Google Shape;59;p13"/>
+          <p:cNvPr id="2" name="Google Shape;59;p13"/>
           <p:cNvSpPr/>
           <p:nvPr/>
         </p:nvSpPr>
@@ -7241,6 +7359,7 @@
           <a:bodyPr spcFirstLastPara="1" wrap="square" lIns="91425" tIns="91425" rIns="91425" bIns="91425" anchor="ctr" anchorCtr="0">
             <a:noAutofit/>
           </a:bodyPr>
+          <a:lstStyle/>
           <a:p>
             <a:pPr marL="0" lvl="0" indent="0" algn="l" rtl="0">
               <a:spcBef>
@@ -7251,6 +7370,7 @@
               </a:spcAft>
               <a:buNone/>
             </a:pPr>
+            <a:endParaRPr/>
           </a:p>
         </p:txBody>
       </p:sp>
@@ -7261,7 +7381,7 @@
           <p:nvPr/>
         </p:nvPicPr>
         <p:blipFill>
-          <a:blip r:embed="rId3"/>
+          <a:blip r:embed="rId5"/>
           <a:stretch>
             <a:fillRect/>
           </a:stretch>
@@ -7303,6 +7423,7 @@
           <a:bodyPr spcFirstLastPara="1" wrap="square" lIns="91425" tIns="91425" rIns="91425" bIns="91425" anchor="t" anchorCtr="0">
             <a:spAutoFit/>
           </a:bodyPr>
+          <a:lstStyle/>
           <a:p>
             <a:pPr marL="0" lvl="0" indent="0" algn="l" rtl="0">
               <a:lnSpc>
@@ -7324,11 +7445,6 @@
               </a:rPr>
               <a:t>¿Cuales son los programas que mas uso?</a:t>
             </a:r>
-            <a:endParaRPr lang="es-ES">
-              <a:solidFill>
-                <a:srgbClr val="006666"/>
-              </a:solidFill>
-            </a:endParaRPr>
           </a:p>
           <a:p>
             <a:pPr marL="0" lvl="0" indent="0" algn="l" rtl="0">
@@ -7378,11 +7494,6 @@
               </a:rPr>
               <a:t> </a:t>
             </a:r>
-            <a:endParaRPr lang="es-ES" sz="1100">
-              <a:solidFill>
-                <a:schemeClr val="dk1"/>
-              </a:solidFill>
-            </a:endParaRPr>
           </a:p>
         </p:txBody>
       </p:sp>
@@ -7393,7 +7504,7 @@
           <p:nvPr/>
         </p:nvPicPr>
         <p:blipFill>
-          <a:blip r:embed="rId4"/>
+          <a:blip r:embed="rId6"/>
           <a:stretch>
             <a:fillRect/>
           </a:stretch>
@@ -7417,13 +7528,36 @@
   <p:clrMapOvr>
     <a:masterClrMapping/>
   </p:clrMapOvr>
-  <p:timing>
-    <p:tnLst>
-      <p:par>
-        <p:cTn id="1" dur="indefinite" restart="never" nodeType="tmRoot"/>
-      </p:par>
-    </p:tnLst>
-  </p:timing>
+</p:sld>
+</file>
+
+<file path=ppt/slides/slide3.xml><?xml version="1.0" encoding="utf-8"?>
+<p:sld xmlns:a="http://schemas.openxmlformats.org/drawingml/2006/main" xmlns:r="http://schemas.openxmlformats.org/officeDocument/2006/relationships" xmlns:p="http://schemas.openxmlformats.org/presentationml/2006/main">
+  <p:cSld>
+    <p:spTree>
+      <p:nvGrpSpPr>
+        <p:cNvPr id="1" name=""/>
+        <p:cNvGrpSpPr/>
+        <p:nvPr/>
+      </p:nvGrpSpPr>
+      <p:grpSpPr>
+        <a:xfrm>
+          <a:off x="0" y="0"/>
+          <a:ext cx="0" cy="0"/>
+          <a:chOff x="0" y="0"/>
+          <a:chExt cx="0" cy="0"/>
+        </a:xfrm>
+      </p:grpSpPr>
+    </p:spTree>
+    <p:extLst>
+      <p:ext uri="{BB962C8B-B14F-4D97-AF65-F5344CB8AC3E}">
+        <p14:creationId xmlns:p14="http://schemas.microsoft.com/office/powerpoint/2010/main" val="2920179386"/>
+      </p:ext>
+    </p:extLst>
+  </p:cSld>
+  <p:clrMapOvr>
+    <a:masterClrMapping/>
+  </p:clrMapOvr>
 </p:sld>
 </file>
 
@@ -7703,6 +7837,8 @@
       </a:bgFillStyleLst>
     </a:fmtScheme>
   </a:themeElements>
+  <a:objectDefaults/>
+  <a:extraClrSchemeLst/>
   <a:extLst>
     <a:ext uri="{05A4C25C-085E-4340-85A3-A5531E510DB2}">
       <thm15:themeFamily xmlns:thm15="http://schemas.microsoft.com/office/thememl/2012/main" name="Office Theme" id="{62F939B6-93AF-4DB8-9C6B-D6C7DFDC589F}" vid="{4A3C46E8-61CC-4603-A589-7422A47A8E4A}"/>
@@ -7987,6 +8123,8 @@
       </a:bgFillStyleLst>
     </a:fmtScheme>
   </a:themeElements>
+  <a:objectDefaults/>
+  <a:extraClrSchemeLst/>
   <a:extLst>
     <a:ext uri="{05A4C25C-085E-4340-85A3-A5531E510DB2}">
       <thm15:themeFamily xmlns:thm15="http://schemas.microsoft.com/office/thememl/2012/main" name="Office Theme" id="{62F939B6-93AF-4DB8-9C6B-D6C7DFDC589F}" vid="{4A3C46E8-61CC-4603-A589-7422A47A8E4A}"/>
